--- a/presen/sample.pptx
+++ b/presen/sample.pptx
@@ -106,6 +106,11 @@
       </a:defRPr>
     </a:lvl9pPr>
   </p:defaultTextStyle>
+  <p:extLst>
+    <p:ext uri="{EFAFB233-063F-42B5-8137-9DF3F51BA10A}">
+      <p15:sldGuideLst xmlns:p15="http://schemas.microsoft.com/office/powerpoint/2012/main"/>
+    </p:ext>
+  </p:extLst>
 </p:presentation>
 </file>
 
@@ -3741,7 +3746,22 @@
           <a:bodyPr/>
           <a:lstStyle/>
           <a:p>
-            <a:endParaRPr kumimoji="1" lang="ja-JP" altLang="en-US"/>
+            <a:r>
+              <a:rPr kumimoji="1" lang="en-US" altLang="ja-JP" dirty="0"/>
+              <a:t>add</a:t>
+            </a:r>
+            <a:r>
+              <a:rPr kumimoji="1" lang="ja-JP" altLang="en-US" dirty="0"/>
+              <a:t>ミスで</a:t>
+            </a:r>
+            <a:r>
+              <a:rPr kumimoji="1" lang="en-US" altLang="ja-JP" dirty="0"/>
+              <a:t>pull</a:t>
+            </a:r>
+            <a:r>
+              <a:rPr kumimoji="1" lang="ja-JP" altLang="en-US"/>
+              <a:t>が反映されませんでした</a:t>
+            </a:r>
           </a:p>
         </p:txBody>
       </p:sp>

--- a/presen/sample.pptx
+++ b/presen/sample.pptx
@@ -106,6 +106,11 @@
       </a:defRPr>
     </a:lvl9pPr>
   </p:defaultTextStyle>
+  <p:extLst>
+    <p:ext uri="{EFAFB233-063F-42B5-8137-9DF3F51BA10A}">
+      <p15:sldGuideLst xmlns:p15="http://schemas.microsoft.com/office/powerpoint/2012/main"/>
+    </p:ext>
+  </p:extLst>
 </p:presentation>
 </file>
 
@@ -3802,29 +3807,386 @@
       </p:sp>
       <p:sp>
         <p:nvSpPr>
-          <p:cNvPr id="3" name="コンテンツ プレースホルダー 2">
-            <a:extLst>
-              <a:ext uri="{FF2B5EF4-FFF2-40B4-BE49-F238E27FC236}">
-                <a16:creationId xmlns:a16="http://schemas.microsoft.com/office/drawing/2014/main" id="{87A42B19-BFE4-45CA-AAD0-AA7F19E50E6D}"/>
-              </a:ext>
-            </a:extLst>
-          </p:cNvPr>
-          <p:cNvSpPr>
-            <a:spLocks noGrp="1"/>
-          </p:cNvSpPr>
-          <p:nvPr>
-            <p:ph idx="1"/>
-          </p:nvPr>
-        </p:nvSpPr>
-        <p:spPr/>
-        <p:txBody>
-          <a:bodyPr/>
-          <a:lstStyle/>
-          <a:p>
-            <a:endParaRPr kumimoji="1" lang="ja-JP" altLang="en-US"/>
-          </a:p>
-        </p:txBody>
-      </p:sp>
+          <p:cNvPr id="4" name="楕円 3">
+            <a:extLst>
+              <a:ext uri="{FF2B5EF4-FFF2-40B4-BE49-F238E27FC236}">
+                <a16:creationId xmlns:a16="http://schemas.microsoft.com/office/drawing/2014/main" id="{EE040DD0-3665-448E-88D8-6FD6E8A6DF7A}"/>
+              </a:ext>
+            </a:extLst>
+          </p:cNvPr>
+          <p:cNvSpPr/>
+          <p:nvPr/>
+        </p:nvSpPr>
+        <p:spPr>
+          <a:xfrm>
+            <a:off x="322634" y="1825625"/>
+            <a:ext cx="1031132" cy="992221"/>
+          </a:xfrm>
+          <a:prstGeom prst="ellipse">
+            <a:avLst/>
+          </a:prstGeom>
+        </p:spPr>
+        <p:style>
+          <a:lnRef idx="2">
+            <a:schemeClr val="accent1">
+              <a:shade val="50000"/>
+            </a:schemeClr>
+          </a:lnRef>
+          <a:fillRef idx="1">
+            <a:schemeClr val="accent1"/>
+          </a:fillRef>
+          <a:effectRef idx="0">
+            <a:schemeClr val="accent1"/>
+          </a:effectRef>
+          <a:fontRef idx="minor">
+            <a:schemeClr val="lt1"/>
+          </a:fontRef>
+        </p:style>
+        <p:txBody>
+          <a:bodyPr rtlCol="0" anchor="ctr"/>
+          <a:lstStyle/>
+          <a:p>
+            <a:pPr algn="ctr"/>
+            <a:endParaRPr kumimoji="1" lang="ja-JP" altLang="en-US"/>
+          </a:p>
+        </p:txBody>
+      </p:sp>
+      <p:sp>
+        <p:nvSpPr>
+          <p:cNvPr id="6" name="楕円 5">
+            <a:extLst>
+              <a:ext uri="{FF2B5EF4-FFF2-40B4-BE49-F238E27FC236}">
+                <a16:creationId xmlns:a16="http://schemas.microsoft.com/office/drawing/2014/main" id="{8CA3F4DD-58EC-4744-9317-4C83E3005D93}"/>
+              </a:ext>
+            </a:extLst>
+          </p:cNvPr>
+          <p:cNvSpPr/>
+          <p:nvPr/>
+        </p:nvSpPr>
+        <p:spPr>
+          <a:xfrm>
+            <a:off x="322634" y="3437174"/>
+            <a:ext cx="1031132" cy="992221"/>
+          </a:xfrm>
+          <a:prstGeom prst="ellipse">
+            <a:avLst/>
+          </a:prstGeom>
+        </p:spPr>
+        <p:style>
+          <a:lnRef idx="2">
+            <a:schemeClr val="accent1">
+              <a:shade val="50000"/>
+            </a:schemeClr>
+          </a:lnRef>
+          <a:fillRef idx="1">
+            <a:schemeClr val="accent1"/>
+          </a:fillRef>
+          <a:effectRef idx="0">
+            <a:schemeClr val="accent1"/>
+          </a:effectRef>
+          <a:fontRef idx="minor">
+            <a:schemeClr val="lt1"/>
+          </a:fontRef>
+        </p:style>
+        <p:txBody>
+          <a:bodyPr rtlCol="0" anchor="ctr"/>
+          <a:lstStyle/>
+          <a:p>
+            <a:pPr algn="ctr"/>
+            <a:endParaRPr kumimoji="1" lang="ja-JP" altLang="en-US"/>
+          </a:p>
+        </p:txBody>
+      </p:sp>
+      <p:sp>
+        <p:nvSpPr>
+          <p:cNvPr id="7" name="楕円 6">
+            <a:extLst>
+              <a:ext uri="{FF2B5EF4-FFF2-40B4-BE49-F238E27FC236}">
+                <a16:creationId xmlns:a16="http://schemas.microsoft.com/office/drawing/2014/main" id="{03F5477B-1100-4618-B541-B97C3B577D79}"/>
+              </a:ext>
+            </a:extLst>
+          </p:cNvPr>
+          <p:cNvSpPr/>
+          <p:nvPr/>
+        </p:nvSpPr>
+        <p:spPr>
+          <a:xfrm>
+            <a:off x="322634" y="5048723"/>
+            <a:ext cx="1031132" cy="992221"/>
+          </a:xfrm>
+          <a:prstGeom prst="ellipse">
+            <a:avLst/>
+          </a:prstGeom>
+        </p:spPr>
+        <p:style>
+          <a:lnRef idx="2">
+            <a:schemeClr val="accent1">
+              <a:shade val="50000"/>
+            </a:schemeClr>
+          </a:lnRef>
+          <a:fillRef idx="1">
+            <a:schemeClr val="accent1"/>
+          </a:fillRef>
+          <a:effectRef idx="0">
+            <a:schemeClr val="accent1"/>
+          </a:effectRef>
+          <a:fontRef idx="minor">
+            <a:schemeClr val="lt1"/>
+          </a:fontRef>
+        </p:style>
+        <p:txBody>
+          <a:bodyPr rtlCol="0" anchor="ctr"/>
+          <a:lstStyle/>
+          <a:p>
+            <a:pPr algn="ctr"/>
+            <a:endParaRPr kumimoji="1" lang="ja-JP" altLang="en-US"/>
+          </a:p>
+        </p:txBody>
+      </p:sp>
+      <p:cxnSp>
+        <p:nvCxnSpPr>
+          <p:cNvPr id="9" name="直線コネクタ 8">
+            <a:extLst>
+              <a:ext uri="{FF2B5EF4-FFF2-40B4-BE49-F238E27FC236}">
+                <a16:creationId xmlns:a16="http://schemas.microsoft.com/office/drawing/2014/main" id="{41553933-ED31-42B8-8972-A5A51D048933}"/>
+              </a:ext>
+            </a:extLst>
+          </p:cNvPr>
+          <p:cNvCxnSpPr>
+            <a:cxnSpLocks/>
+          </p:cNvCxnSpPr>
+          <p:nvPr/>
+        </p:nvCxnSpPr>
+        <p:spPr>
+          <a:xfrm>
+            <a:off x="1275944" y="2395064"/>
+            <a:ext cx="1914728" cy="1115438"/>
+          </a:xfrm>
+          <a:prstGeom prst="line">
+            <a:avLst/>
+          </a:prstGeom>
+        </p:spPr>
+        <p:style>
+          <a:lnRef idx="1">
+            <a:schemeClr val="accent1"/>
+          </a:lnRef>
+          <a:fillRef idx="0">
+            <a:schemeClr val="accent1"/>
+          </a:fillRef>
+          <a:effectRef idx="0">
+            <a:schemeClr val="accent1"/>
+          </a:effectRef>
+          <a:fontRef idx="minor">
+            <a:schemeClr val="tx1"/>
+          </a:fontRef>
+        </p:style>
+      </p:cxnSp>
+      <p:sp>
+        <p:nvSpPr>
+          <p:cNvPr id="10" name="楕円 9">
+            <a:extLst>
+              <a:ext uri="{FF2B5EF4-FFF2-40B4-BE49-F238E27FC236}">
+                <a16:creationId xmlns:a16="http://schemas.microsoft.com/office/drawing/2014/main" id="{DDA53D42-D99A-42CF-8AFF-60925A11811E}"/>
+              </a:ext>
+            </a:extLst>
+          </p:cNvPr>
+          <p:cNvSpPr/>
+          <p:nvPr/>
+        </p:nvSpPr>
+        <p:spPr>
+          <a:xfrm>
+            <a:off x="4155332" y="2545910"/>
+            <a:ext cx="1031132" cy="992221"/>
+          </a:xfrm>
+          <a:prstGeom prst="ellipse">
+            <a:avLst/>
+          </a:prstGeom>
+        </p:spPr>
+        <p:style>
+          <a:lnRef idx="2">
+            <a:schemeClr val="accent1">
+              <a:shade val="50000"/>
+            </a:schemeClr>
+          </a:lnRef>
+          <a:fillRef idx="1">
+            <a:schemeClr val="accent1"/>
+          </a:fillRef>
+          <a:effectRef idx="0">
+            <a:schemeClr val="accent1"/>
+          </a:effectRef>
+          <a:fontRef idx="minor">
+            <a:schemeClr val="lt1"/>
+          </a:fontRef>
+        </p:style>
+        <p:txBody>
+          <a:bodyPr rtlCol="0" anchor="ctr"/>
+          <a:lstStyle/>
+          <a:p>
+            <a:pPr algn="ctr"/>
+            <a:endParaRPr kumimoji="1" lang="ja-JP" altLang="en-US"/>
+          </a:p>
+        </p:txBody>
+      </p:sp>
+      <p:cxnSp>
+        <p:nvCxnSpPr>
+          <p:cNvPr id="12" name="直線コネクタ 11">
+            <a:extLst>
+              <a:ext uri="{FF2B5EF4-FFF2-40B4-BE49-F238E27FC236}">
+                <a16:creationId xmlns:a16="http://schemas.microsoft.com/office/drawing/2014/main" id="{E19AFF02-36AA-4842-9F0C-3FFE21705ED7}"/>
+              </a:ext>
+            </a:extLst>
+          </p:cNvPr>
+          <p:cNvCxnSpPr>
+            <a:stCxn id="6" idx="6"/>
+            <a:endCxn id="10" idx="2"/>
+          </p:cNvCxnSpPr>
+          <p:nvPr/>
+        </p:nvCxnSpPr>
+        <p:spPr>
+          <a:xfrm flipV="1">
+            <a:off x="1353766" y="3042021"/>
+            <a:ext cx="2801566" cy="891264"/>
+          </a:xfrm>
+          <a:prstGeom prst="line">
+            <a:avLst/>
+          </a:prstGeom>
+        </p:spPr>
+        <p:style>
+          <a:lnRef idx="1">
+            <a:schemeClr val="accent1"/>
+          </a:lnRef>
+          <a:fillRef idx="0">
+            <a:schemeClr val="accent1"/>
+          </a:fillRef>
+          <a:effectRef idx="0">
+            <a:schemeClr val="accent1"/>
+          </a:effectRef>
+          <a:fontRef idx="minor">
+            <a:schemeClr val="tx1"/>
+          </a:fontRef>
+        </p:style>
+      </p:cxnSp>
+      <p:cxnSp>
+        <p:nvCxnSpPr>
+          <p:cNvPr id="14" name="直線コネクタ 13">
+            <a:extLst>
+              <a:ext uri="{FF2B5EF4-FFF2-40B4-BE49-F238E27FC236}">
+                <a16:creationId xmlns:a16="http://schemas.microsoft.com/office/drawing/2014/main" id="{69EFAFAE-3EFC-4317-A701-DB8C0C18683C}"/>
+              </a:ext>
+            </a:extLst>
+          </p:cNvPr>
+          <p:cNvCxnSpPr>
+            <a:stCxn id="7" idx="6"/>
+            <a:endCxn id="10" idx="4"/>
+          </p:cNvCxnSpPr>
+          <p:nvPr/>
+        </p:nvCxnSpPr>
+        <p:spPr>
+          <a:xfrm flipV="1">
+            <a:off x="1353766" y="3538131"/>
+            <a:ext cx="3317132" cy="2006703"/>
+          </a:xfrm>
+          <a:prstGeom prst="line">
+            <a:avLst/>
+          </a:prstGeom>
+        </p:spPr>
+        <p:style>
+          <a:lnRef idx="1">
+            <a:schemeClr val="accent1"/>
+          </a:lnRef>
+          <a:fillRef idx="0">
+            <a:schemeClr val="accent1"/>
+          </a:fillRef>
+          <a:effectRef idx="0">
+            <a:schemeClr val="accent1"/>
+          </a:effectRef>
+          <a:fontRef idx="minor">
+            <a:schemeClr val="tx1"/>
+          </a:fontRef>
+        </p:style>
+      </p:cxnSp>
+      <p:sp>
+        <p:nvSpPr>
+          <p:cNvPr id="15" name="楕円 14">
+            <a:extLst>
+              <a:ext uri="{FF2B5EF4-FFF2-40B4-BE49-F238E27FC236}">
+                <a16:creationId xmlns:a16="http://schemas.microsoft.com/office/drawing/2014/main" id="{0C9CCC27-7A19-46AD-905F-F410E5F74F6D}"/>
+              </a:ext>
+            </a:extLst>
+          </p:cNvPr>
+          <p:cNvSpPr/>
+          <p:nvPr/>
+        </p:nvSpPr>
+        <p:spPr>
+          <a:xfrm>
+            <a:off x="4155332" y="4304558"/>
+            <a:ext cx="1031132" cy="992221"/>
+          </a:xfrm>
+          <a:prstGeom prst="ellipse">
+            <a:avLst/>
+          </a:prstGeom>
+        </p:spPr>
+        <p:style>
+          <a:lnRef idx="2">
+            <a:schemeClr val="accent1">
+              <a:shade val="50000"/>
+            </a:schemeClr>
+          </a:lnRef>
+          <a:fillRef idx="1">
+            <a:schemeClr val="accent1"/>
+          </a:fillRef>
+          <a:effectRef idx="0">
+            <a:schemeClr val="accent1"/>
+          </a:effectRef>
+          <a:fontRef idx="minor">
+            <a:schemeClr val="lt1"/>
+          </a:fontRef>
+        </p:style>
+        <p:txBody>
+          <a:bodyPr rtlCol="0" anchor="ctr"/>
+          <a:lstStyle/>
+          <a:p>
+            <a:pPr algn="ctr"/>
+            <a:endParaRPr kumimoji="1" lang="ja-JP" altLang="en-US"/>
+          </a:p>
+        </p:txBody>
+      </p:sp>
+      <p:cxnSp>
+        <p:nvCxnSpPr>
+          <p:cNvPr id="17" name="直線コネクタ 16">
+            <a:extLst>
+              <a:ext uri="{FF2B5EF4-FFF2-40B4-BE49-F238E27FC236}">
+                <a16:creationId xmlns:a16="http://schemas.microsoft.com/office/drawing/2014/main" id="{06F894DB-86BD-4E9E-9AE2-2C2872A710CF}"/>
+              </a:ext>
+            </a:extLst>
+          </p:cNvPr>
+          <p:cNvCxnSpPr/>
+          <p:nvPr/>
+        </p:nvCxnSpPr>
+        <p:spPr>
+          <a:xfrm>
+            <a:off x="843063" y="2280022"/>
+            <a:ext cx="515566" cy="432881"/>
+          </a:xfrm>
+          <a:prstGeom prst="line">
+            <a:avLst/>
+          </a:prstGeom>
+        </p:spPr>
+        <p:style>
+          <a:lnRef idx="1">
+            <a:schemeClr val="accent1"/>
+          </a:lnRef>
+          <a:fillRef idx="0">
+            <a:schemeClr val="accent1"/>
+          </a:fillRef>
+          <a:effectRef idx="0">
+            <a:schemeClr val="accent1"/>
+          </a:effectRef>
+          <a:fontRef idx="minor">
+            <a:schemeClr val="tx1"/>
+          </a:fontRef>
+        </p:style>
+      </p:cxnSp>
     </p:spTree>
     <p:extLst>
       <p:ext uri="{BB962C8B-B14F-4D97-AF65-F5344CB8AC3E}">

--- a/presen/sample.pptx
+++ b/presen/sample.pptx
@@ -3811,37 +3811,1007 @@
             <p:ph type="title"/>
           </p:nvPr>
         </p:nvSpPr>
-        <p:spPr/>
-        <p:txBody>
-          <a:bodyPr/>
-          <a:lstStyle/>
-          <a:p>
+        <p:spPr>
+          <a:xfrm>
+            <a:off x="533835" y="-7556"/>
+            <a:ext cx="10515600" cy="1035658"/>
+          </a:xfrm>
+        </p:spPr>
+        <p:txBody>
+          <a:bodyPr/>
+          <a:lstStyle/>
+          <a:p>
+            <a:r>
+              <a:rPr kumimoji="1" lang="ja-JP" altLang="en-US" dirty="0"/>
+              <a:t>ニューラルネットワーク説明図</a:t>
+            </a:r>
+          </a:p>
+        </p:txBody>
+      </p:sp>
+      <p:sp>
+        <p:nvSpPr>
+          <p:cNvPr id="4" name="楕円 3">
+            <a:extLst>
+              <a:ext uri="{FF2B5EF4-FFF2-40B4-BE49-F238E27FC236}">
+                <a16:creationId xmlns:a16="http://schemas.microsoft.com/office/drawing/2014/main" id="{06B529FC-0192-45F9-B36F-E500CF657846}"/>
+              </a:ext>
+            </a:extLst>
+          </p:cNvPr>
+          <p:cNvSpPr/>
+          <p:nvPr/>
+        </p:nvSpPr>
+        <p:spPr>
+          <a:xfrm>
+            <a:off x="1964683" y="1363743"/>
+            <a:ext cx="1128408" cy="1035659"/>
+          </a:xfrm>
+          <a:prstGeom prst="ellipse">
+            <a:avLst/>
+          </a:prstGeom>
+        </p:spPr>
+        <p:style>
+          <a:lnRef idx="2">
+            <a:schemeClr val="accent1">
+              <a:shade val="50000"/>
+            </a:schemeClr>
+          </a:lnRef>
+          <a:fillRef idx="1">
+            <a:schemeClr val="accent1"/>
+          </a:fillRef>
+          <a:effectRef idx="0">
+            <a:schemeClr val="accent1"/>
+          </a:effectRef>
+          <a:fontRef idx="minor">
+            <a:schemeClr val="lt1"/>
+          </a:fontRef>
+        </p:style>
+        <p:txBody>
+          <a:bodyPr rtlCol="0" anchor="ctr"/>
+          <a:lstStyle/>
+          <a:p>
+            <a:pPr algn="ctr"/>
+            <a:endParaRPr kumimoji="1" lang="ja-JP" altLang="en-US" dirty="0"/>
+          </a:p>
+        </p:txBody>
+      </p:sp>
+      <p:sp>
+        <p:nvSpPr>
+          <p:cNvPr id="5" name="楕円 4">
+            <a:extLst>
+              <a:ext uri="{FF2B5EF4-FFF2-40B4-BE49-F238E27FC236}">
+                <a16:creationId xmlns:a16="http://schemas.microsoft.com/office/drawing/2014/main" id="{2CC0FA04-BD5B-4E56-8739-40DFB9A371C2}"/>
+              </a:ext>
+            </a:extLst>
+          </p:cNvPr>
+          <p:cNvSpPr/>
+          <p:nvPr/>
+        </p:nvSpPr>
+        <p:spPr>
+          <a:xfrm>
+            <a:off x="1944605" y="3125623"/>
+            <a:ext cx="1128408" cy="1035659"/>
+          </a:xfrm>
+          <a:prstGeom prst="ellipse">
+            <a:avLst/>
+          </a:prstGeom>
+        </p:spPr>
+        <p:style>
+          <a:lnRef idx="2">
+            <a:schemeClr val="accent1">
+              <a:shade val="50000"/>
+            </a:schemeClr>
+          </a:lnRef>
+          <a:fillRef idx="1">
+            <a:schemeClr val="accent1"/>
+          </a:fillRef>
+          <a:effectRef idx="0">
+            <a:schemeClr val="accent1"/>
+          </a:effectRef>
+          <a:fontRef idx="minor">
+            <a:schemeClr val="lt1"/>
+          </a:fontRef>
+        </p:style>
+        <p:txBody>
+          <a:bodyPr rtlCol="0" anchor="ctr"/>
+          <a:lstStyle/>
+          <a:p>
+            <a:pPr algn="ctr"/>
             <a:endParaRPr kumimoji="1" lang="ja-JP" altLang="en-US"/>
           </a:p>
         </p:txBody>
       </p:sp>
       <p:sp>
         <p:nvSpPr>
-          <p:cNvPr id="3" name="コンテンツ プレースホルダー 2">
-            <a:extLst>
-              <a:ext uri="{FF2B5EF4-FFF2-40B4-BE49-F238E27FC236}">
-                <a16:creationId xmlns:a16="http://schemas.microsoft.com/office/drawing/2014/main" id="{87A42B19-BFE4-45CA-AAD0-AA7F19E50E6D}"/>
-              </a:ext>
-            </a:extLst>
-          </p:cNvPr>
-          <p:cNvSpPr>
-            <a:spLocks noGrp="1"/>
-          </p:cNvSpPr>
-          <p:nvPr>
-            <p:ph idx="1"/>
-          </p:nvPr>
-        </p:nvSpPr>
-        <p:spPr/>
-        <p:txBody>
-          <a:bodyPr/>
-          <a:lstStyle/>
-          <a:p>
+          <p:cNvPr id="6" name="楕円 5">
+            <a:extLst>
+              <a:ext uri="{FF2B5EF4-FFF2-40B4-BE49-F238E27FC236}">
+                <a16:creationId xmlns:a16="http://schemas.microsoft.com/office/drawing/2014/main" id="{FC433412-FD07-4771-80AD-4FC6F7227B26}"/>
+              </a:ext>
+            </a:extLst>
+          </p:cNvPr>
+          <p:cNvSpPr/>
+          <p:nvPr/>
+        </p:nvSpPr>
+        <p:spPr>
+          <a:xfrm>
+            <a:off x="1874828" y="5064360"/>
+            <a:ext cx="1128408" cy="1035659"/>
+          </a:xfrm>
+          <a:prstGeom prst="ellipse">
+            <a:avLst/>
+          </a:prstGeom>
+        </p:spPr>
+        <p:style>
+          <a:lnRef idx="2">
+            <a:schemeClr val="accent1">
+              <a:shade val="50000"/>
+            </a:schemeClr>
+          </a:lnRef>
+          <a:fillRef idx="1">
+            <a:schemeClr val="accent1"/>
+          </a:fillRef>
+          <a:effectRef idx="0">
+            <a:schemeClr val="accent1"/>
+          </a:effectRef>
+          <a:fontRef idx="minor">
+            <a:schemeClr val="lt1"/>
+          </a:fontRef>
+        </p:style>
+        <p:txBody>
+          <a:bodyPr rtlCol="0" anchor="ctr"/>
+          <a:lstStyle/>
+          <a:p>
+            <a:pPr algn="ctr"/>
             <a:endParaRPr kumimoji="1" lang="ja-JP" altLang="en-US"/>
+          </a:p>
+        </p:txBody>
+      </p:sp>
+      <p:sp>
+        <p:nvSpPr>
+          <p:cNvPr id="7" name="楕円 6">
+            <a:extLst>
+              <a:ext uri="{FF2B5EF4-FFF2-40B4-BE49-F238E27FC236}">
+                <a16:creationId xmlns:a16="http://schemas.microsoft.com/office/drawing/2014/main" id="{66B6AA33-A225-4FF2-B4CB-02409256FA74}"/>
+              </a:ext>
+            </a:extLst>
+          </p:cNvPr>
+          <p:cNvSpPr/>
+          <p:nvPr/>
+        </p:nvSpPr>
+        <p:spPr>
+          <a:xfrm>
+            <a:off x="5537531" y="2284774"/>
+            <a:ext cx="1128408" cy="1035659"/>
+          </a:xfrm>
+          <a:prstGeom prst="ellipse">
+            <a:avLst/>
+          </a:prstGeom>
+        </p:spPr>
+        <p:style>
+          <a:lnRef idx="2">
+            <a:schemeClr val="accent1">
+              <a:shade val="50000"/>
+            </a:schemeClr>
+          </a:lnRef>
+          <a:fillRef idx="1">
+            <a:schemeClr val="accent1"/>
+          </a:fillRef>
+          <a:effectRef idx="0">
+            <a:schemeClr val="accent1"/>
+          </a:effectRef>
+          <a:fontRef idx="minor">
+            <a:schemeClr val="lt1"/>
+          </a:fontRef>
+        </p:style>
+        <p:txBody>
+          <a:bodyPr rtlCol="0" anchor="ctr"/>
+          <a:lstStyle/>
+          <a:p>
+            <a:pPr algn="ctr"/>
+            <a:endParaRPr kumimoji="1" lang="ja-JP" altLang="en-US"/>
+          </a:p>
+        </p:txBody>
+      </p:sp>
+      <p:sp>
+        <p:nvSpPr>
+          <p:cNvPr id="10" name="楕円 9">
+            <a:extLst>
+              <a:ext uri="{FF2B5EF4-FFF2-40B4-BE49-F238E27FC236}">
+                <a16:creationId xmlns:a16="http://schemas.microsoft.com/office/drawing/2014/main" id="{94DA39C1-A16C-4E78-ACB6-658979FB5CBB}"/>
+              </a:ext>
+            </a:extLst>
+          </p:cNvPr>
+          <p:cNvSpPr/>
+          <p:nvPr/>
+        </p:nvSpPr>
+        <p:spPr>
+          <a:xfrm>
+            <a:off x="5557609" y="3851844"/>
+            <a:ext cx="1128408" cy="1035659"/>
+          </a:xfrm>
+          <a:prstGeom prst="ellipse">
+            <a:avLst/>
+          </a:prstGeom>
+        </p:spPr>
+        <p:style>
+          <a:lnRef idx="2">
+            <a:schemeClr val="accent1">
+              <a:shade val="50000"/>
+            </a:schemeClr>
+          </a:lnRef>
+          <a:fillRef idx="1">
+            <a:schemeClr val="accent1"/>
+          </a:fillRef>
+          <a:effectRef idx="0">
+            <a:schemeClr val="accent1"/>
+          </a:effectRef>
+          <a:fontRef idx="minor">
+            <a:schemeClr val="lt1"/>
+          </a:fontRef>
+        </p:style>
+        <p:txBody>
+          <a:bodyPr rtlCol="0" anchor="ctr"/>
+          <a:lstStyle/>
+          <a:p>
+            <a:pPr algn="ctr"/>
+            <a:endParaRPr kumimoji="1" lang="ja-JP" altLang="en-US"/>
+          </a:p>
+        </p:txBody>
+      </p:sp>
+      <p:cxnSp>
+        <p:nvCxnSpPr>
+          <p:cNvPr id="12" name="直線コネクタ 11">
+            <a:extLst>
+              <a:ext uri="{FF2B5EF4-FFF2-40B4-BE49-F238E27FC236}">
+                <a16:creationId xmlns:a16="http://schemas.microsoft.com/office/drawing/2014/main" id="{69984AEA-1DC0-41BA-98F0-F75C69AAB6C2}"/>
+              </a:ext>
+            </a:extLst>
+          </p:cNvPr>
+          <p:cNvCxnSpPr>
+            <a:stCxn id="4" idx="6"/>
+            <a:endCxn id="7" idx="1"/>
+          </p:cNvCxnSpPr>
+          <p:nvPr/>
+        </p:nvCxnSpPr>
+        <p:spPr>
+          <a:xfrm>
+            <a:off x="3093091" y="1881573"/>
+            <a:ext cx="2609692" cy="554870"/>
+          </a:xfrm>
+          <a:prstGeom prst="line">
+            <a:avLst/>
+          </a:prstGeom>
+        </p:spPr>
+        <p:style>
+          <a:lnRef idx="1">
+            <a:schemeClr val="dk1"/>
+          </a:lnRef>
+          <a:fillRef idx="0">
+            <a:schemeClr val="dk1"/>
+          </a:fillRef>
+          <a:effectRef idx="0">
+            <a:schemeClr val="dk1"/>
+          </a:effectRef>
+          <a:fontRef idx="minor">
+            <a:schemeClr val="tx1"/>
+          </a:fontRef>
+        </p:style>
+      </p:cxnSp>
+      <p:cxnSp>
+        <p:nvCxnSpPr>
+          <p:cNvPr id="14" name="直線コネクタ 13">
+            <a:extLst>
+              <a:ext uri="{FF2B5EF4-FFF2-40B4-BE49-F238E27FC236}">
+                <a16:creationId xmlns:a16="http://schemas.microsoft.com/office/drawing/2014/main" id="{1AC801FE-07B5-4079-8AAA-2FD8E1237AAF}"/>
+              </a:ext>
+            </a:extLst>
+          </p:cNvPr>
+          <p:cNvCxnSpPr>
+            <a:cxnSpLocks/>
+            <a:stCxn id="4" idx="5"/>
+            <a:endCxn id="10" idx="1"/>
+          </p:cNvCxnSpPr>
+          <p:nvPr/>
+        </p:nvCxnSpPr>
+        <p:spPr>
+          <a:xfrm>
+            <a:off x="2927839" y="2247733"/>
+            <a:ext cx="2795022" cy="1755780"/>
+          </a:xfrm>
+          <a:prstGeom prst="line">
+            <a:avLst/>
+          </a:prstGeom>
+        </p:spPr>
+        <p:style>
+          <a:lnRef idx="1">
+            <a:schemeClr val="dk1"/>
+          </a:lnRef>
+          <a:fillRef idx="0">
+            <a:schemeClr val="dk1"/>
+          </a:fillRef>
+          <a:effectRef idx="0">
+            <a:schemeClr val="dk1"/>
+          </a:effectRef>
+          <a:fontRef idx="minor">
+            <a:schemeClr val="tx1"/>
+          </a:fontRef>
+        </p:style>
+      </p:cxnSp>
+      <p:cxnSp>
+        <p:nvCxnSpPr>
+          <p:cNvPr id="18" name="直線コネクタ 17">
+            <a:extLst>
+              <a:ext uri="{FF2B5EF4-FFF2-40B4-BE49-F238E27FC236}">
+                <a16:creationId xmlns:a16="http://schemas.microsoft.com/office/drawing/2014/main" id="{73A415E0-EA3E-40C0-91D0-1D42C2B10493}"/>
+              </a:ext>
+            </a:extLst>
+          </p:cNvPr>
+          <p:cNvCxnSpPr>
+            <a:cxnSpLocks/>
+            <a:stCxn id="5" idx="7"/>
+            <a:endCxn id="7" idx="3"/>
+          </p:cNvCxnSpPr>
+          <p:nvPr/>
+        </p:nvCxnSpPr>
+        <p:spPr>
+          <a:xfrm flipV="1">
+            <a:off x="2907761" y="3168764"/>
+            <a:ext cx="2795022" cy="108528"/>
+          </a:xfrm>
+          <a:prstGeom prst="line">
+            <a:avLst/>
+          </a:prstGeom>
+        </p:spPr>
+        <p:style>
+          <a:lnRef idx="1">
+            <a:schemeClr val="dk1"/>
+          </a:lnRef>
+          <a:fillRef idx="0">
+            <a:schemeClr val="dk1"/>
+          </a:fillRef>
+          <a:effectRef idx="0">
+            <a:schemeClr val="dk1"/>
+          </a:effectRef>
+          <a:fontRef idx="minor">
+            <a:schemeClr val="tx1"/>
+          </a:fontRef>
+        </p:style>
+      </p:cxnSp>
+      <p:cxnSp>
+        <p:nvCxnSpPr>
+          <p:cNvPr id="22" name="直線コネクタ 21">
+            <a:extLst>
+              <a:ext uri="{FF2B5EF4-FFF2-40B4-BE49-F238E27FC236}">
+                <a16:creationId xmlns:a16="http://schemas.microsoft.com/office/drawing/2014/main" id="{8C5744E6-1259-4435-858C-1646955517FC}"/>
+              </a:ext>
+            </a:extLst>
+          </p:cNvPr>
+          <p:cNvCxnSpPr>
+            <a:cxnSpLocks/>
+            <a:stCxn id="5" idx="5"/>
+            <a:endCxn id="10" idx="2"/>
+          </p:cNvCxnSpPr>
+          <p:nvPr/>
+        </p:nvCxnSpPr>
+        <p:spPr>
+          <a:xfrm>
+            <a:off x="2907761" y="4009613"/>
+            <a:ext cx="2649848" cy="360061"/>
+          </a:xfrm>
+          <a:prstGeom prst="line">
+            <a:avLst/>
+          </a:prstGeom>
+        </p:spPr>
+        <p:style>
+          <a:lnRef idx="1">
+            <a:schemeClr val="dk1"/>
+          </a:lnRef>
+          <a:fillRef idx="0">
+            <a:schemeClr val="dk1"/>
+          </a:fillRef>
+          <a:effectRef idx="0">
+            <a:schemeClr val="dk1"/>
+          </a:effectRef>
+          <a:fontRef idx="minor">
+            <a:schemeClr val="tx1"/>
+          </a:fontRef>
+        </p:style>
+      </p:cxnSp>
+      <p:cxnSp>
+        <p:nvCxnSpPr>
+          <p:cNvPr id="24" name="直線コネクタ 23">
+            <a:extLst>
+              <a:ext uri="{FF2B5EF4-FFF2-40B4-BE49-F238E27FC236}">
+                <a16:creationId xmlns:a16="http://schemas.microsoft.com/office/drawing/2014/main" id="{68E6D476-582F-48B6-9C3C-A35EFC580B95}"/>
+              </a:ext>
+            </a:extLst>
+          </p:cNvPr>
+          <p:cNvCxnSpPr>
+            <a:stCxn id="6" idx="0"/>
+            <a:endCxn id="7" idx="4"/>
+          </p:cNvCxnSpPr>
+          <p:nvPr/>
+        </p:nvCxnSpPr>
+        <p:spPr>
+          <a:xfrm flipV="1">
+            <a:off x="2439032" y="3320433"/>
+            <a:ext cx="3662703" cy="1743927"/>
+          </a:xfrm>
+          <a:prstGeom prst="line">
+            <a:avLst/>
+          </a:prstGeom>
+        </p:spPr>
+        <p:style>
+          <a:lnRef idx="1">
+            <a:schemeClr val="dk1"/>
+          </a:lnRef>
+          <a:fillRef idx="0">
+            <a:schemeClr val="dk1"/>
+          </a:fillRef>
+          <a:effectRef idx="0">
+            <a:schemeClr val="dk1"/>
+          </a:effectRef>
+          <a:fontRef idx="minor">
+            <a:schemeClr val="tx1"/>
+          </a:fontRef>
+        </p:style>
+      </p:cxnSp>
+      <p:cxnSp>
+        <p:nvCxnSpPr>
+          <p:cNvPr id="26" name="直線コネクタ 25">
+            <a:extLst>
+              <a:ext uri="{FF2B5EF4-FFF2-40B4-BE49-F238E27FC236}">
+                <a16:creationId xmlns:a16="http://schemas.microsoft.com/office/drawing/2014/main" id="{24775C74-DC47-4EAA-8111-0DCE2A23A3B2}"/>
+              </a:ext>
+            </a:extLst>
+          </p:cNvPr>
+          <p:cNvCxnSpPr>
+            <a:cxnSpLocks/>
+            <a:stCxn id="6" idx="5"/>
+            <a:endCxn id="10" idx="4"/>
+          </p:cNvCxnSpPr>
+          <p:nvPr/>
+        </p:nvCxnSpPr>
+        <p:spPr>
+          <a:xfrm flipV="1">
+            <a:off x="2837984" y="4887503"/>
+            <a:ext cx="3283829" cy="1060847"/>
+          </a:xfrm>
+          <a:prstGeom prst="line">
+            <a:avLst/>
+          </a:prstGeom>
+        </p:spPr>
+        <p:style>
+          <a:lnRef idx="1">
+            <a:schemeClr val="dk1"/>
+          </a:lnRef>
+          <a:fillRef idx="0">
+            <a:schemeClr val="dk1"/>
+          </a:fillRef>
+          <a:effectRef idx="0">
+            <a:schemeClr val="dk1"/>
+          </a:effectRef>
+          <a:fontRef idx="minor">
+            <a:schemeClr val="tx1"/>
+          </a:fontRef>
+        </p:style>
+      </p:cxnSp>
+      <p:sp>
+        <p:nvSpPr>
+          <p:cNvPr id="27" name="楕円 26">
+            <a:extLst>
+              <a:ext uri="{FF2B5EF4-FFF2-40B4-BE49-F238E27FC236}">
+                <a16:creationId xmlns:a16="http://schemas.microsoft.com/office/drawing/2014/main" id="{7A99B1BE-7E84-409A-A626-2E191B96DE09}"/>
+              </a:ext>
+            </a:extLst>
+          </p:cNvPr>
+          <p:cNvSpPr/>
+          <p:nvPr/>
+        </p:nvSpPr>
+        <p:spPr>
+          <a:xfrm>
+            <a:off x="8302181" y="1669032"/>
+            <a:ext cx="1128408" cy="1035659"/>
+          </a:xfrm>
+          <a:prstGeom prst="ellipse">
+            <a:avLst/>
+          </a:prstGeom>
+        </p:spPr>
+        <p:style>
+          <a:lnRef idx="2">
+            <a:schemeClr val="accent1">
+              <a:shade val="50000"/>
+            </a:schemeClr>
+          </a:lnRef>
+          <a:fillRef idx="1">
+            <a:schemeClr val="accent1"/>
+          </a:fillRef>
+          <a:effectRef idx="0">
+            <a:schemeClr val="accent1"/>
+          </a:effectRef>
+          <a:fontRef idx="minor">
+            <a:schemeClr val="lt1"/>
+          </a:fontRef>
+        </p:style>
+        <p:txBody>
+          <a:bodyPr rtlCol="0" anchor="ctr"/>
+          <a:lstStyle/>
+          <a:p>
+            <a:pPr algn="ctr"/>
+            <a:endParaRPr kumimoji="1" lang="ja-JP" altLang="en-US"/>
+          </a:p>
+        </p:txBody>
+      </p:sp>
+      <p:sp>
+        <p:nvSpPr>
+          <p:cNvPr id="28" name="楕円 27">
+            <a:extLst>
+              <a:ext uri="{FF2B5EF4-FFF2-40B4-BE49-F238E27FC236}">
+                <a16:creationId xmlns:a16="http://schemas.microsoft.com/office/drawing/2014/main" id="{1FFD98F3-4F75-425F-85AF-E41FDA4CDE1F}"/>
+              </a:ext>
+            </a:extLst>
+          </p:cNvPr>
+          <p:cNvSpPr/>
+          <p:nvPr/>
+        </p:nvSpPr>
+        <p:spPr>
+          <a:xfrm>
+            <a:off x="8398707" y="2827791"/>
+            <a:ext cx="1128408" cy="1035659"/>
+          </a:xfrm>
+          <a:prstGeom prst="ellipse">
+            <a:avLst/>
+          </a:prstGeom>
+        </p:spPr>
+        <p:style>
+          <a:lnRef idx="2">
+            <a:schemeClr val="accent1">
+              <a:shade val="50000"/>
+            </a:schemeClr>
+          </a:lnRef>
+          <a:fillRef idx="1">
+            <a:schemeClr val="accent1"/>
+          </a:fillRef>
+          <a:effectRef idx="0">
+            <a:schemeClr val="accent1"/>
+          </a:effectRef>
+          <a:fontRef idx="minor">
+            <a:schemeClr val="lt1"/>
+          </a:fontRef>
+        </p:style>
+        <p:txBody>
+          <a:bodyPr rtlCol="0" anchor="ctr"/>
+          <a:lstStyle/>
+          <a:p>
+            <a:pPr algn="ctr"/>
+            <a:endParaRPr kumimoji="1" lang="ja-JP" altLang="en-US"/>
+          </a:p>
+        </p:txBody>
+      </p:sp>
+      <p:sp>
+        <p:nvSpPr>
+          <p:cNvPr id="29" name="楕円 28">
+            <a:extLst>
+              <a:ext uri="{FF2B5EF4-FFF2-40B4-BE49-F238E27FC236}">
+                <a16:creationId xmlns:a16="http://schemas.microsoft.com/office/drawing/2014/main" id="{26DF357E-ACEF-4324-9785-3494A90A522B}"/>
+              </a:ext>
+            </a:extLst>
+          </p:cNvPr>
+          <p:cNvSpPr/>
+          <p:nvPr/>
+        </p:nvSpPr>
+        <p:spPr>
+          <a:xfrm>
+            <a:off x="8398707" y="4028701"/>
+            <a:ext cx="1128408" cy="1035659"/>
+          </a:xfrm>
+          <a:prstGeom prst="ellipse">
+            <a:avLst/>
+          </a:prstGeom>
+        </p:spPr>
+        <p:style>
+          <a:lnRef idx="2">
+            <a:schemeClr val="accent1">
+              <a:shade val="50000"/>
+            </a:schemeClr>
+          </a:lnRef>
+          <a:fillRef idx="1">
+            <a:schemeClr val="accent1"/>
+          </a:fillRef>
+          <a:effectRef idx="0">
+            <a:schemeClr val="accent1"/>
+          </a:effectRef>
+          <a:fontRef idx="minor">
+            <a:schemeClr val="lt1"/>
+          </a:fontRef>
+        </p:style>
+        <p:txBody>
+          <a:bodyPr rtlCol="0" anchor="ctr"/>
+          <a:lstStyle/>
+          <a:p>
+            <a:pPr algn="ctr"/>
+            <a:endParaRPr kumimoji="1" lang="ja-JP" altLang="en-US"/>
+          </a:p>
+        </p:txBody>
+      </p:sp>
+      <p:cxnSp>
+        <p:nvCxnSpPr>
+          <p:cNvPr id="41" name="直線コネクタ 40">
+            <a:extLst>
+              <a:ext uri="{FF2B5EF4-FFF2-40B4-BE49-F238E27FC236}">
+                <a16:creationId xmlns:a16="http://schemas.microsoft.com/office/drawing/2014/main" id="{5CE208FC-4A4D-4355-B342-B97A0BEDC71E}"/>
+              </a:ext>
+            </a:extLst>
+          </p:cNvPr>
+          <p:cNvCxnSpPr>
+            <a:cxnSpLocks/>
+            <a:stCxn id="7" idx="7"/>
+            <a:endCxn id="27" idx="2"/>
+          </p:cNvCxnSpPr>
+          <p:nvPr/>
+        </p:nvCxnSpPr>
+        <p:spPr>
+          <a:xfrm flipV="1">
+            <a:off x="6500687" y="2186862"/>
+            <a:ext cx="1801494" cy="249581"/>
+          </a:xfrm>
+          <a:prstGeom prst="line">
+            <a:avLst/>
+          </a:prstGeom>
+        </p:spPr>
+        <p:style>
+          <a:lnRef idx="1">
+            <a:schemeClr val="dk1"/>
+          </a:lnRef>
+          <a:fillRef idx="0">
+            <a:schemeClr val="dk1"/>
+          </a:fillRef>
+          <a:effectRef idx="0">
+            <a:schemeClr val="dk1"/>
+          </a:effectRef>
+          <a:fontRef idx="minor">
+            <a:schemeClr val="tx1"/>
+          </a:fontRef>
+        </p:style>
+      </p:cxnSp>
+      <p:cxnSp>
+        <p:nvCxnSpPr>
+          <p:cNvPr id="43" name="直線コネクタ 42">
+            <a:extLst>
+              <a:ext uri="{FF2B5EF4-FFF2-40B4-BE49-F238E27FC236}">
+                <a16:creationId xmlns:a16="http://schemas.microsoft.com/office/drawing/2014/main" id="{BB56CFC5-1A5D-4DA7-96C6-84C9CDD54AA9}"/>
+              </a:ext>
+            </a:extLst>
+          </p:cNvPr>
+          <p:cNvCxnSpPr>
+            <a:cxnSpLocks/>
+            <a:stCxn id="7" idx="6"/>
+            <a:endCxn id="28" idx="1"/>
+          </p:cNvCxnSpPr>
+          <p:nvPr/>
+        </p:nvCxnSpPr>
+        <p:spPr>
+          <a:xfrm>
+            <a:off x="6665939" y="2802604"/>
+            <a:ext cx="1898020" cy="176856"/>
+          </a:xfrm>
+          <a:prstGeom prst="line">
+            <a:avLst/>
+          </a:prstGeom>
+        </p:spPr>
+        <p:style>
+          <a:lnRef idx="1">
+            <a:schemeClr val="dk1"/>
+          </a:lnRef>
+          <a:fillRef idx="0">
+            <a:schemeClr val="dk1"/>
+          </a:fillRef>
+          <a:effectRef idx="0">
+            <a:schemeClr val="dk1"/>
+          </a:effectRef>
+          <a:fontRef idx="minor">
+            <a:schemeClr val="tx1"/>
+          </a:fontRef>
+        </p:style>
+      </p:cxnSp>
+      <p:cxnSp>
+        <p:nvCxnSpPr>
+          <p:cNvPr id="45" name="直線コネクタ 44">
+            <a:extLst>
+              <a:ext uri="{FF2B5EF4-FFF2-40B4-BE49-F238E27FC236}">
+                <a16:creationId xmlns:a16="http://schemas.microsoft.com/office/drawing/2014/main" id="{C26C602C-C892-4BAB-B4A0-F84DFF3E915A}"/>
+              </a:ext>
+            </a:extLst>
+          </p:cNvPr>
+          <p:cNvCxnSpPr>
+            <a:cxnSpLocks/>
+            <a:stCxn id="7" idx="5"/>
+            <a:endCxn id="29" idx="1"/>
+          </p:cNvCxnSpPr>
+          <p:nvPr/>
+        </p:nvCxnSpPr>
+        <p:spPr>
+          <a:xfrm>
+            <a:off x="6500687" y="3168764"/>
+            <a:ext cx="2063272" cy="1011606"/>
+          </a:xfrm>
+          <a:prstGeom prst="line">
+            <a:avLst/>
+          </a:prstGeom>
+        </p:spPr>
+        <p:style>
+          <a:lnRef idx="1">
+            <a:schemeClr val="dk1"/>
+          </a:lnRef>
+          <a:fillRef idx="0">
+            <a:schemeClr val="dk1"/>
+          </a:fillRef>
+          <a:effectRef idx="0">
+            <a:schemeClr val="dk1"/>
+          </a:effectRef>
+          <a:fontRef idx="minor">
+            <a:schemeClr val="tx1"/>
+          </a:fontRef>
+        </p:style>
+      </p:cxnSp>
+      <p:cxnSp>
+        <p:nvCxnSpPr>
+          <p:cNvPr id="47" name="直線コネクタ 46">
+            <a:extLst>
+              <a:ext uri="{FF2B5EF4-FFF2-40B4-BE49-F238E27FC236}">
+                <a16:creationId xmlns:a16="http://schemas.microsoft.com/office/drawing/2014/main" id="{279B9328-74D4-4197-B72D-3C43BEDE376C}"/>
+              </a:ext>
+            </a:extLst>
+          </p:cNvPr>
+          <p:cNvCxnSpPr>
+            <a:cxnSpLocks/>
+            <a:stCxn id="10" idx="6"/>
+            <a:endCxn id="27" idx="3"/>
+          </p:cNvCxnSpPr>
+          <p:nvPr/>
+        </p:nvCxnSpPr>
+        <p:spPr>
+          <a:xfrm flipV="1">
+            <a:off x="6686017" y="2553022"/>
+            <a:ext cx="1781416" cy="1816652"/>
+          </a:xfrm>
+          <a:prstGeom prst="line">
+            <a:avLst/>
+          </a:prstGeom>
+        </p:spPr>
+        <p:style>
+          <a:lnRef idx="1">
+            <a:schemeClr val="dk1"/>
+          </a:lnRef>
+          <a:fillRef idx="0">
+            <a:schemeClr val="dk1"/>
+          </a:fillRef>
+          <a:effectRef idx="0">
+            <a:schemeClr val="dk1"/>
+          </a:effectRef>
+          <a:fontRef idx="minor">
+            <a:schemeClr val="tx1"/>
+          </a:fontRef>
+        </p:style>
+      </p:cxnSp>
+      <p:cxnSp>
+        <p:nvCxnSpPr>
+          <p:cNvPr id="49" name="直線コネクタ 48">
+            <a:extLst>
+              <a:ext uri="{FF2B5EF4-FFF2-40B4-BE49-F238E27FC236}">
+                <a16:creationId xmlns:a16="http://schemas.microsoft.com/office/drawing/2014/main" id="{B92E79CD-26C3-40FD-A347-3896A5862F35}"/>
+              </a:ext>
+            </a:extLst>
+          </p:cNvPr>
+          <p:cNvCxnSpPr>
+            <a:cxnSpLocks/>
+            <a:stCxn id="28" idx="2"/>
+            <a:endCxn id="10" idx="7"/>
+          </p:cNvCxnSpPr>
+          <p:nvPr/>
+        </p:nvCxnSpPr>
+        <p:spPr>
+          <a:xfrm flipH="1">
+            <a:off x="6520765" y="3345621"/>
+            <a:ext cx="1877942" cy="657892"/>
+          </a:xfrm>
+          <a:prstGeom prst="line">
+            <a:avLst/>
+          </a:prstGeom>
+        </p:spPr>
+        <p:style>
+          <a:lnRef idx="1">
+            <a:schemeClr val="dk1"/>
+          </a:lnRef>
+          <a:fillRef idx="0">
+            <a:schemeClr val="dk1"/>
+          </a:fillRef>
+          <a:effectRef idx="0">
+            <a:schemeClr val="dk1"/>
+          </a:effectRef>
+          <a:fontRef idx="minor">
+            <a:schemeClr val="tx1"/>
+          </a:fontRef>
+        </p:style>
+      </p:cxnSp>
+      <p:cxnSp>
+        <p:nvCxnSpPr>
+          <p:cNvPr id="53" name="直線コネクタ 52">
+            <a:extLst>
+              <a:ext uri="{FF2B5EF4-FFF2-40B4-BE49-F238E27FC236}">
+                <a16:creationId xmlns:a16="http://schemas.microsoft.com/office/drawing/2014/main" id="{47B1F71B-1E80-4347-B3F5-165D93EA3BB8}"/>
+              </a:ext>
+            </a:extLst>
+          </p:cNvPr>
+          <p:cNvCxnSpPr>
+            <a:cxnSpLocks/>
+            <a:stCxn id="10" idx="5"/>
+            <a:endCxn id="29" idx="3"/>
+          </p:cNvCxnSpPr>
+          <p:nvPr/>
+        </p:nvCxnSpPr>
+        <p:spPr>
+          <a:xfrm>
+            <a:off x="6520765" y="4735834"/>
+            <a:ext cx="2043194" cy="176857"/>
+          </a:xfrm>
+          <a:prstGeom prst="line">
+            <a:avLst/>
+          </a:prstGeom>
+        </p:spPr>
+        <p:style>
+          <a:lnRef idx="1">
+            <a:schemeClr val="dk1"/>
+          </a:lnRef>
+          <a:fillRef idx="0">
+            <a:schemeClr val="dk1"/>
+          </a:fillRef>
+          <a:effectRef idx="0">
+            <a:schemeClr val="dk1"/>
+          </a:effectRef>
+          <a:fontRef idx="minor">
+            <a:schemeClr val="tx1"/>
+          </a:fontRef>
+        </p:style>
+      </p:cxnSp>
+      <p:sp>
+        <p:nvSpPr>
+          <p:cNvPr id="54" name="矢印: 右 53">
+            <a:extLst>
+              <a:ext uri="{FF2B5EF4-FFF2-40B4-BE49-F238E27FC236}">
+                <a16:creationId xmlns:a16="http://schemas.microsoft.com/office/drawing/2014/main" id="{D39E675C-5EE5-453E-BD8E-8A843AF0F370}"/>
+              </a:ext>
+            </a:extLst>
+          </p:cNvPr>
+          <p:cNvSpPr/>
+          <p:nvPr/>
+        </p:nvSpPr>
+        <p:spPr>
+          <a:xfrm>
+            <a:off x="9876950" y="2543034"/>
+            <a:ext cx="2227699" cy="1401820"/>
+          </a:xfrm>
+          <a:prstGeom prst="rightArrow">
+            <a:avLst/>
+          </a:prstGeom>
+        </p:spPr>
+        <p:style>
+          <a:lnRef idx="2">
+            <a:schemeClr val="accent6"/>
+          </a:lnRef>
+          <a:fillRef idx="1">
+            <a:schemeClr val="lt1"/>
+          </a:fillRef>
+          <a:effectRef idx="0">
+            <a:schemeClr val="accent6"/>
+          </a:effectRef>
+          <a:fontRef idx="minor">
+            <a:schemeClr val="dk1"/>
+          </a:fontRef>
+        </p:style>
+        <p:txBody>
+          <a:bodyPr rtlCol="0" anchor="ctr"/>
+          <a:lstStyle/>
+          <a:p>
+            <a:pPr algn="ctr"/>
+            <a:r>
+              <a:rPr kumimoji="1" lang="ja-JP" altLang="en-US" sz="4400" dirty="0"/>
+              <a:t>出力</a:t>
+            </a:r>
+          </a:p>
+        </p:txBody>
+      </p:sp>
+      <p:sp>
+        <p:nvSpPr>
+          <p:cNvPr id="116" name="矢印: 右 115">
+            <a:extLst>
+              <a:ext uri="{FF2B5EF4-FFF2-40B4-BE49-F238E27FC236}">
+                <a16:creationId xmlns:a16="http://schemas.microsoft.com/office/drawing/2014/main" id="{15851D5E-E571-4F7F-A811-8347FCBDCBDC}"/>
+              </a:ext>
+            </a:extLst>
+          </p:cNvPr>
+          <p:cNvSpPr/>
+          <p:nvPr/>
+        </p:nvSpPr>
+        <p:spPr>
+          <a:xfrm>
+            <a:off x="160719" y="3106535"/>
+            <a:ext cx="1681615" cy="1054747"/>
+          </a:xfrm>
+          <a:prstGeom prst="rightArrow">
+            <a:avLst/>
+          </a:prstGeom>
+        </p:spPr>
+        <p:style>
+          <a:lnRef idx="2">
+            <a:schemeClr val="accent6"/>
+          </a:lnRef>
+          <a:fillRef idx="1">
+            <a:schemeClr val="lt1"/>
+          </a:fillRef>
+          <a:effectRef idx="0">
+            <a:schemeClr val="accent6"/>
+          </a:effectRef>
+          <a:fontRef idx="minor">
+            <a:schemeClr val="dk1"/>
+          </a:fontRef>
+        </p:style>
+        <p:txBody>
+          <a:bodyPr rtlCol="0" anchor="ctr"/>
+          <a:lstStyle/>
+          <a:p>
+            <a:pPr algn="ctr"/>
+            <a:r>
+              <a:rPr kumimoji="1" lang="ja-JP" altLang="en-US" sz="3600" dirty="0"/>
+              <a:t>入力</a:t>
+            </a:r>
+          </a:p>
+        </p:txBody>
+      </p:sp>
+      <p:sp>
+        <p:nvSpPr>
+          <p:cNvPr id="117" name="矢印: 右 116">
+            <a:extLst>
+              <a:ext uri="{FF2B5EF4-FFF2-40B4-BE49-F238E27FC236}">
+                <a16:creationId xmlns:a16="http://schemas.microsoft.com/office/drawing/2014/main" id="{95BD6ADE-9314-4624-B583-E87187064F74}"/>
+              </a:ext>
+            </a:extLst>
+          </p:cNvPr>
+          <p:cNvSpPr/>
+          <p:nvPr/>
+        </p:nvSpPr>
+        <p:spPr>
+          <a:xfrm>
+            <a:off x="5078595" y="750555"/>
+            <a:ext cx="2063271" cy="1534515"/>
+          </a:xfrm>
+          <a:prstGeom prst="rightArrow">
+            <a:avLst/>
+          </a:prstGeom>
+        </p:spPr>
+        <p:style>
+          <a:lnRef idx="2">
+            <a:schemeClr val="accent6"/>
+          </a:lnRef>
+          <a:fillRef idx="1">
+            <a:schemeClr val="lt1"/>
+          </a:fillRef>
+          <a:effectRef idx="0">
+            <a:schemeClr val="accent6"/>
+          </a:effectRef>
+          <a:fontRef idx="minor">
+            <a:schemeClr val="dk1"/>
+          </a:fontRef>
+        </p:style>
+        <p:txBody>
+          <a:bodyPr rtlCol="0" anchor="ctr"/>
+          <a:lstStyle/>
+          <a:p>
+            <a:pPr algn="ctr"/>
+            <a:r>
+              <a:rPr kumimoji="1" lang="ja-JP" altLang="en-US" sz="3600" dirty="0"/>
+              <a:t>考える</a:t>
+            </a:r>
           </a:p>
         </p:txBody>
       </p:sp>
